--- a/Dash_Presentation.pptx
+++ b/Dash_Presentation.pptx
@@ -20,11 +20,15 @@
     <p:sldId id="263" r:id="rId14"/>
     <p:sldId id="264" r:id="rId15"/>
     <p:sldId id="373" r:id="rId16"/>
-    <p:sldId id="367" r:id="rId17"/>
-    <p:sldId id="372" r:id="rId18"/>
-    <p:sldId id="369" r:id="rId19"/>
-    <p:sldId id="269" r:id="rId20"/>
-    <p:sldId id="364" r:id="rId21"/>
+    <p:sldId id="374" r:id="rId17"/>
+    <p:sldId id="367" r:id="rId18"/>
+    <p:sldId id="372" r:id="rId19"/>
+    <p:sldId id="369" r:id="rId20"/>
+    <p:sldId id="368" r:id="rId21"/>
+    <p:sldId id="375" r:id="rId22"/>
+    <p:sldId id="370" r:id="rId23"/>
+    <p:sldId id="269" r:id="rId24"/>
+    <p:sldId id="364" r:id="rId25"/>
   </p:sldIdLst>
   <p:sldSz cx="9144000" cy="6858000" type="screen4x3"/>
   <p:notesSz cx="6858000" cy="9144000"/>
@@ -14091,6 +14095,423 @@
 <file path=ppt/slides/slide16.xml><?xml version="1.0" encoding="utf-8"?>
 <p:sld xmlns:a="http://schemas.openxmlformats.org/drawingml/2006/main" xmlns:r="http://schemas.openxmlformats.org/officeDocument/2006/relationships" xmlns:p="http://schemas.openxmlformats.org/presentationml/2006/main">
   <p:cSld>
+    <p:bg>
+      <p:bgPr>
+        <a:solidFill>
+          <a:schemeClr val="bg1"/>
+        </a:solidFill>
+        <a:effectLst/>
+      </p:bgPr>
+    </p:bg>
+    <p:spTree>
+      <p:nvGrpSpPr>
+        <p:cNvPr id="1" name=""/>
+        <p:cNvGrpSpPr/>
+        <p:nvPr/>
+      </p:nvGrpSpPr>
+      <p:grpSpPr>
+        <a:xfrm>
+          <a:off x="0" y="0"/>
+          <a:ext cx="0" cy="0"/>
+          <a:chOff x="0" y="0"/>
+          <a:chExt cx="0" cy="0"/>
+        </a:xfrm>
+      </p:grpSpPr>
+      <p:sp>
+        <p:nvSpPr>
+          <p:cNvPr id="2" name="Título 1">
+            <a:extLst>
+              <a:ext uri="{FF2B5EF4-FFF2-40B4-BE49-F238E27FC236}">
+                <a16:creationId xmlns:a16="http://schemas.microsoft.com/office/drawing/2014/main" id="{1BDD1962-FD06-E0B5-C9C8-D988EA3F8946}"/>
+              </a:ext>
+            </a:extLst>
+          </p:cNvPr>
+          <p:cNvSpPr>
+            <a:spLocks noGrp="1"/>
+          </p:cNvSpPr>
+          <p:nvPr>
+            <p:ph type="title"/>
+          </p:nvPr>
+        </p:nvSpPr>
+        <p:spPr>
+          <a:xfrm>
+            <a:off x="5932712" y="741391"/>
+            <a:ext cx="2547763" cy="1616203"/>
+          </a:xfrm>
+        </p:spPr>
+        <p:txBody>
+          <a:bodyPr anchor="b">
+            <a:normAutofit/>
+          </a:bodyPr>
+          <a:lstStyle/>
+          <a:p>
+            <a:endParaRPr lang="es-GT" sz="2800"/>
+          </a:p>
+        </p:txBody>
+      </p:sp>
+      <p:pic>
+        <p:nvPicPr>
+          <p:cNvPr id="5" name="Marcador de contenido 4" descr="Código QR&#10;&#10;El contenido generado por IA puede ser incorrecto.">
+            <a:extLst>
+              <a:ext uri="{FF2B5EF4-FFF2-40B4-BE49-F238E27FC236}">
+                <a16:creationId xmlns:a16="http://schemas.microsoft.com/office/drawing/2014/main" id="{FB10FF37-8558-5746-A211-541157D5E9A5}"/>
+              </a:ext>
+            </a:extLst>
+          </p:cNvPr>
+          <p:cNvPicPr>
+            <a:picLocks noChangeAspect="1"/>
+          </p:cNvPicPr>
+          <p:nvPr/>
+        </p:nvPicPr>
+        <p:blipFill>
+          <a:blip r:embed="rId2"/>
+          <a:srcRect r="3829" b="1"/>
+          <a:stretch>
+            <a:fillRect/>
+          </a:stretch>
+        </p:blipFill>
+        <p:spPr>
+          <a:xfrm>
+            <a:off x="663523" y="877413"/>
+            <a:ext cx="4805177" cy="5043096"/>
+          </a:xfrm>
+          <a:prstGeom prst="rect">
+            <a:avLst/>
+          </a:prstGeom>
+        </p:spPr>
+      </p:pic>
+      <p:grpSp>
+        <p:nvGrpSpPr>
+          <p:cNvPr id="12" name="Group 11">
+            <a:extLst>
+              <a:ext uri="{FF2B5EF4-FFF2-40B4-BE49-F238E27FC236}">
+                <a16:creationId xmlns:a16="http://schemas.microsoft.com/office/drawing/2014/main" id="{BE589684-54CA-64D8-C963-5F19FF75BF72}"/>
+              </a:ext>
+              <a:ext uri="{C183D7F6-B498-43B3-948B-1728B52AA6E4}">
+                <adec:decorative xmlns:adec="http://schemas.microsoft.com/office/drawing/2017/decorative" val="1"/>
+              </a:ext>
+            </a:extLst>
+          </p:cNvPr>
+          <p:cNvGrpSpPr>
+            <a:grpSpLocks noGrp="1" noUngrp="1" noRot="1" noChangeAspect="1" noMove="1" noResize="1"/>
+          </p:cNvGrpSpPr>
+          <p:nvPr>
+            <p:extLst>
+              <p:ext uri="{386F3935-93C4-4BCD-93E2-E3B085C9AB24}">
+                <p16:designElem xmlns:p16="http://schemas.microsoft.com/office/powerpoint/2015/main" val="1"/>
+              </p:ext>
+            </p:extLst>
+          </p:nvPr>
+        </p:nvGrpSpPr>
+        <p:grpSpPr>
+          <a:xfrm>
+            <a:off x="663522" y="5858828"/>
+            <a:ext cx="4805178" cy="123363"/>
+            <a:chOff x="7015162" y="5858828"/>
+            <a:chExt cx="4300544" cy="123363"/>
+          </a:xfrm>
+        </p:grpSpPr>
+        <p:sp>
+          <p:nvSpPr>
+            <p:cNvPr id="13" name="Rectangle 12">
+              <a:extLst>
+                <a:ext uri="{FF2B5EF4-FFF2-40B4-BE49-F238E27FC236}">
+                  <a16:creationId xmlns:a16="http://schemas.microsoft.com/office/drawing/2014/main" id="{9B56B8E8-B789-DA4D-E4BE-03FA3165B3DE}"/>
+                </a:ext>
+                <a:ext uri="{C183D7F6-B498-43B3-948B-1728B52AA6E4}">
+                  <adec:decorative xmlns:adec="http://schemas.microsoft.com/office/drawing/2017/decorative" val="1"/>
+                </a:ext>
+              </a:extLst>
+            </p:cNvPr>
+            <p:cNvSpPr/>
+            <p:nvPr>
+              <p:extLst>
+                <p:ext uri="{386F3935-93C4-4BCD-93E2-E3B085C9AB24}">
+                  <p16:designElem xmlns:p16="http://schemas.microsoft.com/office/powerpoint/2015/main" val="1"/>
+                </p:ext>
+              </p:extLst>
+            </p:nvPr>
+          </p:nvSpPr>
+          <p:spPr>
+            <a:xfrm rot="16200000">
+              <a:off x="9103753" y="3770237"/>
+              <a:ext cx="123362" cy="4300544"/>
+            </a:xfrm>
+            <a:prstGeom prst="rect">
+              <a:avLst/>
+            </a:prstGeom>
+            <a:gradFill>
+              <a:gsLst>
+                <a:gs pos="0">
+                  <a:schemeClr val="accent2"/>
+                </a:gs>
+                <a:gs pos="100000">
+                  <a:schemeClr val="accent5"/>
+                </a:gs>
+              </a:gsLst>
+              <a:lin ang="1800000" scaled="0"/>
+            </a:gradFill>
+            <a:ln>
+              <a:noFill/>
+            </a:ln>
+          </p:spPr>
+          <p:style>
+            <a:lnRef idx="2">
+              <a:schemeClr val="accent1">
+                <a:shade val="50000"/>
+              </a:schemeClr>
+            </a:lnRef>
+            <a:fillRef idx="1">
+              <a:schemeClr val="accent1"/>
+            </a:fillRef>
+            <a:effectRef idx="0">
+              <a:schemeClr val="accent1"/>
+            </a:effectRef>
+            <a:fontRef idx="minor">
+              <a:schemeClr val="lt1"/>
+            </a:fontRef>
+          </p:style>
+          <p:txBody>
+            <a:bodyPr rtlCol="0" anchor="ctr"/>
+            <a:lstStyle/>
+            <a:p>
+              <a:pPr algn="ctr"/>
+              <a:endParaRPr lang="en-US"/>
+            </a:p>
+          </p:txBody>
+        </p:sp>
+        <p:sp>
+          <p:nvSpPr>
+            <p:cNvPr id="14" name="Rectangle 13">
+              <a:extLst>
+                <a:ext uri="{FF2B5EF4-FFF2-40B4-BE49-F238E27FC236}">
+                  <a16:creationId xmlns:a16="http://schemas.microsoft.com/office/drawing/2014/main" id="{2255D907-377D-0DF9-B4A4-4B44C46FBE3B}"/>
+                </a:ext>
+                <a:ext uri="{C183D7F6-B498-43B3-948B-1728B52AA6E4}">
+                  <adec:decorative xmlns:adec="http://schemas.microsoft.com/office/drawing/2017/decorative" val="1"/>
+                </a:ext>
+              </a:extLst>
+            </p:cNvPr>
+            <p:cNvSpPr/>
+            <p:nvPr>
+              <p:extLst>
+                <p:ext uri="{386F3935-93C4-4BCD-93E2-E3B085C9AB24}">
+                  <p16:designElem xmlns:p16="http://schemas.microsoft.com/office/powerpoint/2015/main" val="1"/>
+                </p:ext>
+              </p:extLst>
+            </p:nvPr>
+          </p:nvSpPr>
+          <p:spPr>
+            <a:xfrm rot="16200000">
+              <a:off x="10209789" y="4876274"/>
+              <a:ext cx="123362" cy="2088471"/>
+            </a:xfrm>
+            <a:prstGeom prst="rect">
+              <a:avLst/>
+            </a:prstGeom>
+            <a:gradFill>
+              <a:gsLst>
+                <a:gs pos="19000">
+                  <a:schemeClr val="accent5">
+                    <a:alpha val="0"/>
+                  </a:schemeClr>
+                </a:gs>
+                <a:gs pos="100000">
+                  <a:schemeClr val="accent5">
+                    <a:lumMod val="60000"/>
+                    <a:lumOff val="40000"/>
+                  </a:schemeClr>
+                </a:gs>
+              </a:gsLst>
+              <a:lin ang="600000" scaled="0"/>
+            </a:gradFill>
+            <a:ln>
+              <a:noFill/>
+            </a:ln>
+          </p:spPr>
+          <p:style>
+            <a:lnRef idx="2">
+              <a:schemeClr val="accent1">
+                <a:shade val="50000"/>
+              </a:schemeClr>
+            </a:lnRef>
+            <a:fillRef idx="1">
+              <a:schemeClr val="accent1"/>
+            </a:fillRef>
+            <a:effectRef idx="0">
+              <a:schemeClr val="accent1"/>
+            </a:effectRef>
+            <a:fontRef idx="minor">
+              <a:schemeClr val="lt1"/>
+            </a:fontRef>
+          </p:style>
+          <p:txBody>
+            <a:bodyPr rtlCol="0" anchor="ctr"/>
+            <a:lstStyle/>
+            <a:p>
+              <a:pPr algn="ctr"/>
+              <a:endParaRPr lang="en-US"/>
+            </a:p>
+          </p:txBody>
+        </p:sp>
+      </p:grpSp>
+      <p:pic>
+        <p:nvPicPr>
+          <p:cNvPr id="10" name="Marcador de contenido 9">
+            <a:extLst>
+              <a:ext uri="{FF2B5EF4-FFF2-40B4-BE49-F238E27FC236}">
+                <a16:creationId xmlns:a16="http://schemas.microsoft.com/office/drawing/2014/main" id="{1968D3E2-0448-E993-7391-4C12350B0A55}"/>
+              </a:ext>
+            </a:extLst>
+          </p:cNvPr>
+          <p:cNvPicPr>
+            <a:picLocks noGrp="1" noChangeAspect="1"/>
+          </p:cNvPicPr>
+          <p:nvPr>
+            <p:ph idx="1"/>
+          </p:nvPr>
+        </p:nvPicPr>
+        <p:blipFill>
+          <a:blip r:embed="rId3"/>
+          <a:stretch>
+            <a:fillRect/>
+          </a:stretch>
+        </p:blipFill>
+        <p:spPr>
+          <a:xfrm>
+            <a:off x="5743708" y="1270358"/>
+            <a:ext cx="2925769" cy="4257206"/>
+          </a:xfrm>
+        </p:spPr>
+      </p:pic>
+      <p:sp>
+        <p:nvSpPr>
+          <p:cNvPr id="7" name="CuadroTexto 6">
+            <a:extLst>
+              <a:ext uri="{FF2B5EF4-FFF2-40B4-BE49-F238E27FC236}">
+                <a16:creationId xmlns:a16="http://schemas.microsoft.com/office/drawing/2014/main" id="{675924F5-15BA-40D4-0895-0EAB3D937389}"/>
+              </a:ext>
+            </a:extLst>
+          </p:cNvPr>
+          <p:cNvSpPr txBox="1"/>
+          <p:nvPr/>
+        </p:nvSpPr>
+        <p:spPr>
+          <a:xfrm>
+            <a:off x="1142999" y="6165881"/>
+            <a:ext cx="6858001" cy="369332"/>
+          </a:xfrm>
+          <a:prstGeom prst="rect">
+            <a:avLst/>
+          </a:prstGeom>
+          <a:noFill/>
+        </p:spPr>
+        <p:txBody>
+          <a:bodyPr wrap="square">
+            <a:spAutoFit/>
+          </a:bodyPr>
+          <a:lstStyle/>
+          <a:p>
+            <a:r>
+              <a:rPr lang="es-GT" dirty="0"/>
+              <a:t>https://github.com/epinedaWorks/DashboardPyConColombia</a:t>
+            </a:r>
+          </a:p>
+        </p:txBody>
+      </p:sp>
+      <p:sp>
+        <p:nvSpPr>
+          <p:cNvPr id="11" name="CuadroTexto 10">
+            <a:extLst>
+              <a:ext uri="{FF2B5EF4-FFF2-40B4-BE49-F238E27FC236}">
+                <a16:creationId xmlns:a16="http://schemas.microsoft.com/office/drawing/2014/main" id="{E14A5798-7D7E-3112-76E6-6AB3850186C0}"/>
+              </a:ext>
+            </a:extLst>
+          </p:cNvPr>
+          <p:cNvSpPr txBox="1"/>
+          <p:nvPr/>
+        </p:nvSpPr>
+        <p:spPr>
+          <a:xfrm>
+            <a:off x="551263" y="46291"/>
+            <a:ext cx="3141502" cy="769441"/>
+          </a:xfrm>
+          <a:prstGeom prst="rect">
+            <a:avLst/>
+          </a:prstGeom>
+          <a:noFill/>
+        </p:spPr>
+        <p:txBody>
+          <a:bodyPr wrap="none" rtlCol="0">
+            <a:spAutoFit/>
+          </a:bodyPr>
+          <a:lstStyle/>
+          <a:p>
+            <a:pPr algn="ctr"/>
+            <a:r>
+              <a:rPr lang="es-GT" sz="4400" dirty="0" err="1">
+                <a:solidFill>
+                  <a:schemeClr val="tx2"/>
+                </a:solidFill>
+              </a:rPr>
+              <a:t>Go</a:t>
+            </a:r>
+            <a:r>
+              <a:rPr lang="es-GT" sz="4400" dirty="0">
+                <a:solidFill>
+                  <a:schemeClr val="tx2"/>
+                </a:solidFill>
+              </a:rPr>
+              <a:t> </a:t>
+            </a:r>
+            <a:r>
+              <a:rPr lang="es-GT" sz="4400" dirty="0" err="1">
+                <a:solidFill>
+                  <a:schemeClr val="tx2"/>
+                </a:solidFill>
+              </a:rPr>
+              <a:t>to</a:t>
+            </a:r>
+            <a:r>
+              <a:rPr lang="es-GT" sz="4400" dirty="0">
+                <a:solidFill>
+                  <a:schemeClr val="tx2"/>
+                </a:solidFill>
+              </a:rPr>
+              <a:t> </a:t>
+            </a:r>
+            <a:r>
+              <a:rPr lang="es-GT" sz="4400" dirty="0" err="1">
+                <a:solidFill>
+                  <a:schemeClr val="tx2"/>
+                </a:solidFill>
+              </a:rPr>
+              <a:t>Github</a:t>
+            </a:r>
+            <a:endParaRPr lang="es-GT" sz="4400" dirty="0">
+              <a:solidFill>
+                <a:schemeClr val="tx2"/>
+              </a:solidFill>
+            </a:endParaRPr>
+          </a:p>
+        </p:txBody>
+      </p:sp>
+    </p:spTree>
+    <p:extLst>
+      <p:ext uri="{BB962C8B-B14F-4D97-AF65-F5344CB8AC3E}">
+        <p14:creationId xmlns:p14="http://schemas.microsoft.com/office/powerpoint/2010/main" val="2898120956"/>
+      </p:ext>
+    </p:extLst>
+  </p:cSld>
+  <p:clrMapOvr>
+    <a:masterClrMapping/>
+  </p:clrMapOvr>
+</p:sld>
+</file>
+
+<file path=ppt/slides/slide17.xml><?xml version="1.0" encoding="utf-8"?>
+<p:sld xmlns:a="http://schemas.openxmlformats.org/drawingml/2006/main" xmlns:r="http://schemas.openxmlformats.org/officeDocument/2006/relationships" xmlns:p="http://schemas.openxmlformats.org/presentationml/2006/main">
+  <p:cSld>
     <p:spTree>
       <p:nvGrpSpPr>
         <p:cNvPr id="1" name=""/>
@@ -14213,7 +14634,7 @@
 </p:sld>
 </file>
 
-<file path=ppt/slides/slide17.xml><?xml version="1.0" encoding="utf-8"?>
+<file path=ppt/slides/slide18.xml><?xml version="1.0" encoding="utf-8"?>
 <p:sld xmlns:a="http://schemas.openxmlformats.org/drawingml/2006/main" xmlns:r="http://schemas.openxmlformats.org/officeDocument/2006/relationships" xmlns:p="http://schemas.openxmlformats.org/presentationml/2006/main">
   <p:cSld>
     <p:spTree>
@@ -14367,7 +14788,7 @@
 </p:sld>
 </file>
 
-<file path=ppt/slides/slide18.xml><?xml version="1.0" encoding="utf-8"?>
+<file path=ppt/slides/slide19.xml><?xml version="1.0" encoding="utf-8"?>
 <p:sld xmlns:a="http://schemas.openxmlformats.org/drawingml/2006/main" xmlns:r="http://schemas.openxmlformats.org/officeDocument/2006/relationships" xmlns:p="http://schemas.openxmlformats.org/presentationml/2006/main">
   <p:cSld>
     <p:spTree>
@@ -14634,7 +15055,1428 @@
 </p:sld>
 </file>
 
-<file path=ppt/slides/slide19.xml><?xml version="1.0" encoding="utf-8"?>
+<file path=ppt/slides/slide2.xml><?xml version="1.0" encoding="utf-8"?>
+<p:sld xmlns:a="http://schemas.openxmlformats.org/drawingml/2006/main" xmlns:r="http://schemas.openxmlformats.org/officeDocument/2006/relationships" xmlns:p="http://schemas.openxmlformats.org/presentationml/2006/main">
+  <p:cSld>
+    <p:spTree>
+      <p:nvGrpSpPr>
+        <p:cNvPr id="1" name=""/>
+        <p:cNvGrpSpPr/>
+        <p:nvPr/>
+      </p:nvGrpSpPr>
+      <p:grpSpPr>
+        <a:xfrm>
+          <a:off x="0" y="0"/>
+          <a:ext cx="0" cy="0"/>
+          <a:chOff x="0" y="0"/>
+          <a:chExt cx="0" cy="0"/>
+        </a:xfrm>
+      </p:grpSpPr>
+      <p:sp>
+        <p:nvSpPr>
+          <p:cNvPr id="2" name="Título 1">
+            <a:extLst>
+              <a:ext uri="{FF2B5EF4-FFF2-40B4-BE49-F238E27FC236}">
+                <a16:creationId xmlns:a16="http://schemas.microsoft.com/office/drawing/2014/main" id="{2F8BE467-FA90-BFF7-9003-EC3D2417102A}"/>
+              </a:ext>
+            </a:extLst>
+          </p:cNvPr>
+          <p:cNvSpPr>
+            <a:spLocks noGrp="1"/>
+          </p:cNvSpPr>
+          <p:nvPr>
+            <p:ph type="title"/>
+          </p:nvPr>
+        </p:nvSpPr>
+        <p:spPr/>
+        <p:txBody>
+          <a:bodyPr/>
+          <a:lstStyle/>
+          <a:p>
+            <a:endParaRPr lang="es-GT"/>
+          </a:p>
+        </p:txBody>
+      </p:sp>
+      <p:sp>
+        <p:nvSpPr>
+          <p:cNvPr id="3" name="Marcador de contenido 2">
+            <a:extLst>
+              <a:ext uri="{FF2B5EF4-FFF2-40B4-BE49-F238E27FC236}">
+                <a16:creationId xmlns:a16="http://schemas.microsoft.com/office/drawing/2014/main" id="{03864DF1-AE11-B523-7FD4-08471A71A388}"/>
+              </a:ext>
+            </a:extLst>
+          </p:cNvPr>
+          <p:cNvSpPr>
+            <a:spLocks noGrp="1"/>
+          </p:cNvSpPr>
+          <p:nvPr>
+            <p:ph idx="1"/>
+          </p:nvPr>
+        </p:nvSpPr>
+        <p:spPr/>
+        <p:txBody>
+          <a:bodyPr/>
+          <a:lstStyle/>
+          <a:p>
+            <a:endParaRPr lang="es-GT"/>
+          </a:p>
+        </p:txBody>
+      </p:sp>
+      <p:pic>
+        <p:nvPicPr>
+          <p:cNvPr id="4" name="Picture 4" descr="Velocímetro">
+            <a:extLst>
+              <a:ext uri="{FF2B5EF4-FFF2-40B4-BE49-F238E27FC236}">
+                <a16:creationId xmlns:a16="http://schemas.microsoft.com/office/drawing/2014/main" id="{4EBBD6A9-6BAD-FECB-737E-5C64B3A55993}"/>
+              </a:ext>
+            </a:extLst>
+          </p:cNvPr>
+          <p:cNvPicPr>
+            <a:picLocks noChangeAspect="1"/>
+          </p:cNvPicPr>
+          <p:nvPr/>
+        </p:nvPicPr>
+        <p:blipFill>
+          <a:blip r:embed="rId2"/>
+          <a:srcRect t="5645" b="3994"/>
+          <a:stretch/>
+        </p:blipFill>
+        <p:spPr>
+          <a:xfrm>
+            <a:off x="-4" y="10"/>
+            <a:ext cx="12192000" cy="6857990"/>
+          </a:xfrm>
+          <a:prstGeom prst="rect">
+            <a:avLst/>
+          </a:prstGeom>
+        </p:spPr>
+      </p:pic>
+    </p:spTree>
+    <p:extLst>
+      <p:ext uri="{BB962C8B-B14F-4D97-AF65-F5344CB8AC3E}">
+        <p14:creationId xmlns:p14="http://schemas.microsoft.com/office/powerpoint/2010/main" val="3438999524"/>
+      </p:ext>
+    </p:extLst>
+  </p:cSld>
+  <p:clrMapOvr>
+    <a:masterClrMapping/>
+  </p:clrMapOvr>
+</p:sld>
+</file>
+
+<file path=ppt/slides/slide20.xml><?xml version="1.0" encoding="utf-8"?>
+<p:sld xmlns:a="http://schemas.openxmlformats.org/drawingml/2006/main" xmlns:r="http://schemas.openxmlformats.org/officeDocument/2006/relationships" xmlns:p="http://schemas.openxmlformats.org/presentationml/2006/main">
+  <p:cSld>
+    <p:bg>
+      <p:bgPr>
+        <a:solidFill>
+          <a:schemeClr val="bg1"/>
+        </a:solidFill>
+        <a:effectLst/>
+      </p:bgPr>
+    </p:bg>
+    <p:spTree>
+      <p:nvGrpSpPr>
+        <p:cNvPr id="1" name=""/>
+        <p:cNvGrpSpPr/>
+        <p:nvPr/>
+      </p:nvGrpSpPr>
+      <p:grpSpPr>
+        <a:xfrm>
+          <a:off x="0" y="0"/>
+          <a:ext cx="0" cy="0"/>
+          <a:chOff x="0" y="0"/>
+          <a:chExt cx="0" cy="0"/>
+        </a:xfrm>
+      </p:grpSpPr>
+      <p:sp useBgFill="1">
+        <p:nvSpPr>
+          <p:cNvPr id="12" name="Rectangle 11">
+            <a:extLst>
+              <a:ext uri="{FF2B5EF4-FFF2-40B4-BE49-F238E27FC236}">
+                <a16:creationId xmlns:a16="http://schemas.microsoft.com/office/drawing/2014/main" id="{2151139A-886F-4B97-8815-729AD3831BBD}"/>
+              </a:ext>
+              <a:ext uri="{C183D7F6-B498-43B3-948B-1728B52AA6E4}">
+                <adec:decorative xmlns:adec="http://schemas.microsoft.com/office/drawing/2017/decorative" val="1"/>
+              </a:ext>
+            </a:extLst>
+          </p:cNvPr>
+          <p:cNvSpPr>
+            <a:spLocks noGrp="1" noRot="1" noChangeAspect="1" noMove="1" noResize="1" noEditPoints="1" noAdjustHandles="1" noChangeArrowheads="1" noChangeShapeType="1" noTextEdit="1"/>
+          </p:cNvSpPr>
+          <p:nvPr>
+            <p:extLst>
+              <p:ext uri="{386F3935-93C4-4BCD-93E2-E3B085C9AB24}">
+                <p16:designElem xmlns:p16="http://schemas.microsoft.com/office/powerpoint/2015/main" val="1"/>
+              </p:ext>
+            </p:extLst>
+          </p:nvPr>
+        </p:nvSpPr>
+        <p:spPr>
+          <a:xfrm>
+            <a:off x="0" y="0"/>
+            <a:ext cx="9144000" cy="6858000"/>
+          </a:xfrm>
+          <a:prstGeom prst="rect">
+            <a:avLst/>
+          </a:prstGeom>
+          <a:ln w="12700" cap="flat" cmpd="sng" algn="ctr">
+            <a:noFill/>
+            <a:prstDash val="solid"/>
+            <a:miter lim="800000"/>
+          </a:ln>
+          <a:effectLst/>
+          <a:extLst>
+            <a:ext uri="{91240B29-F687-4F45-9708-019B960494DF}">
+              <a14:hiddenLine xmlns:a14="http://schemas.microsoft.com/office/drawing/2010/main" w="12700" cap="flat" cmpd="sng" algn="ctr">
+                <a:solidFill>
+                  <a:schemeClr val="accent1">
+                    <a:shade val="50000"/>
+                  </a:schemeClr>
+                </a:solidFill>
+                <a:prstDash val="solid"/>
+                <a:miter lim="800000"/>
+              </a14:hiddenLine>
+            </a:ext>
+          </a:extLst>
+        </p:spPr>
+        <p:style>
+          <a:lnRef idx="2">
+            <a:schemeClr val="accent1">
+              <a:shade val="50000"/>
+            </a:schemeClr>
+          </a:lnRef>
+          <a:fillRef idx="1">
+            <a:schemeClr val="accent1"/>
+          </a:fillRef>
+          <a:effectRef idx="0">
+            <a:schemeClr val="accent1"/>
+          </a:effectRef>
+          <a:fontRef idx="minor">
+            <a:schemeClr val="lt1"/>
+          </a:fontRef>
+        </p:style>
+        <p:txBody>
+          <a:bodyPr rtlCol="0" anchor="ctr"/>
+          <a:lstStyle/>
+          <a:p>
+            <a:pPr algn="ctr"/>
+            <a:endParaRPr lang="en-US" sz="2000"/>
+          </a:p>
+        </p:txBody>
+      </p:sp>
+      <p:sp>
+        <p:nvSpPr>
+          <p:cNvPr id="14" name="Rectangle 13">
+            <a:extLst>
+              <a:ext uri="{FF2B5EF4-FFF2-40B4-BE49-F238E27FC236}">
+                <a16:creationId xmlns:a16="http://schemas.microsoft.com/office/drawing/2014/main" id="{AB5E08C4-8CDD-4623-A5B8-E998C6DEE3B7}"/>
+              </a:ext>
+              <a:ext uri="{C183D7F6-B498-43B3-948B-1728B52AA6E4}">
+                <adec:decorative xmlns:adec="http://schemas.microsoft.com/office/drawing/2017/decorative" val="1"/>
+              </a:ext>
+            </a:extLst>
+          </p:cNvPr>
+          <p:cNvSpPr>
+            <a:spLocks noGrp="1" noRot="1" noChangeAspect="1" noMove="1" noResize="1" noEditPoints="1" noAdjustHandles="1" noChangeArrowheads="1" noChangeShapeType="1" noTextEdit="1"/>
+          </p:cNvSpPr>
+          <p:nvPr>
+            <p:extLst>
+              <p:ext uri="{386F3935-93C4-4BCD-93E2-E3B085C9AB24}">
+                <p16:designElem xmlns:p16="http://schemas.microsoft.com/office/powerpoint/2015/main" val="1"/>
+              </p:ext>
+            </p:extLst>
+          </p:nvPr>
+        </p:nvSpPr>
+        <p:spPr>
+          <a:xfrm flipH="1">
+            <a:off x="1" y="492"/>
+            <a:ext cx="9143999" cy="1575955"/>
+          </a:xfrm>
+          <a:prstGeom prst="rect">
+            <a:avLst/>
+          </a:prstGeom>
+          <a:gradFill>
+            <a:gsLst>
+              <a:gs pos="0">
+                <a:schemeClr val="accent1">
+                  <a:lumMod val="50000"/>
+                </a:schemeClr>
+              </a:gs>
+              <a:gs pos="100000">
+                <a:schemeClr val="accent1">
+                  <a:lumMod val="75000"/>
+                </a:schemeClr>
+              </a:gs>
+            </a:gsLst>
+            <a:lin ang="8400000" scaled="0"/>
+          </a:gradFill>
+          <a:ln>
+            <a:noFill/>
+          </a:ln>
+        </p:spPr>
+        <p:style>
+          <a:lnRef idx="2">
+            <a:schemeClr val="accent1">
+              <a:shade val="50000"/>
+            </a:schemeClr>
+          </a:lnRef>
+          <a:fillRef idx="1">
+            <a:schemeClr val="accent1"/>
+          </a:fillRef>
+          <a:effectRef idx="0">
+            <a:schemeClr val="accent1"/>
+          </a:effectRef>
+          <a:fontRef idx="minor">
+            <a:schemeClr val="lt1"/>
+          </a:fontRef>
+        </p:style>
+        <p:txBody>
+          <a:bodyPr rtlCol="0" anchor="ctr"/>
+          <a:lstStyle/>
+          <a:p>
+            <a:pPr algn="ctr"/>
+            <a:endParaRPr lang="en-US"/>
+          </a:p>
+        </p:txBody>
+      </p:sp>
+      <p:sp>
+        <p:nvSpPr>
+          <p:cNvPr id="16" name="Rectangle 15">
+            <a:extLst>
+              <a:ext uri="{FF2B5EF4-FFF2-40B4-BE49-F238E27FC236}">
+                <a16:creationId xmlns:a16="http://schemas.microsoft.com/office/drawing/2014/main" id="{15F33878-D502-4FFA-8ACE-F2AECDB2A23F}"/>
+              </a:ext>
+              <a:ext uri="{C183D7F6-B498-43B3-948B-1728B52AA6E4}">
+                <adec:decorative xmlns:adec="http://schemas.microsoft.com/office/drawing/2017/decorative" val="1"/>
+              </a:ext>
+            </a:extLst>
+          </p:cNvPr>
+          <p:cNvSpPr>
+            <a:spLocks noGrp="1" noRot="1" noChangeAspect="1" noMove="1" noResize="1" noEditPoints="1" noAdjustHandles="1" noChangeArrowheads="1" noChangeShapeType="1" noTextEdit="1"/>
+          </p:cNvSpPr>
+          <p:nvPr>
+            <p:extLst>
+              <p:ext uri="{386F3935-93C4-4BCD-93E2-E3B085C9AB24}">
+                <p16:designElem xmlns:p16="http://schemas.microsoft.com/office/powerpoint/2015/main" val="1"/>
+              </p:ext>
+            </p:extLst>
+          </p:nvPr>
+        </p:nvSpPr>
+        <p:spPr>
+          <a:xfrm rot="10800000" flipH="1">
+            <a:off x="6096642" y="35"/>
+            <a:ext cx="3047358" cy="1576412"/>
+          </a:xfrm>
+          <a:prstGeom prst="rect">
+            <a:avLst/>
+          </a:prstGeom>
+          <a:gradFill>
+            <a:gsLst>
+              <a:gs pos="19000">
+                <a:schemeClr val="accent1">
+                  <a:lumMod val="50000"/>
+                  <a:alpha val="68000"/>
+                </a:schemeClr>
+              </a:gs>
+              <a:gs pos="100000">
+                <a:schemeClr val="accent1">
+                  <a:alpha val="79000"/>
+                </a:schemeClr>
+              </a:gs>
+            </a:gsLst>
+            <a:lin ang="19200000" scaled="0"/>
+          </a:gradFill>
+          <a:ln>
+            <a:noFill/>
+          </a:ln>
+        </p:spPr>
+        <p:style>
+          <a:lnRef idx="2">
+            <a:schemeClr val="accent1">
+              <a:shade val="50000"/>
+            </a:schemeClr>
+          </a:lnRef>
+          <a:fillRef idx="1">
+            <a:schemeClr val="accent1"/>
+          </a:fillRef>
+          <a:effectRef idx="0">
+            <a:schemeClr val="accent1"/>
+          </a:effectRef>
+          <a:fontRef idx="minor">
+            <a:schemeClr val="lt1"/>
+          </a:fontRef>
+        </p:style>
+        <p:txBody>
+          <a:bodyPr rtlCol="0" anchor="ctr"/>
+          <a:lstStyle/>
+          <a:p>
+            <a:pPr algn="ctr"/>
+            <a:endParaRPr lang="en-US"/>
+          </a:p>
+        </p:txBody>
+      </p:sp>
+      <p:sp>
+        <p:nvSpPr>
+          <p:cNvPr id="18" name="Rectangle 17">
+            <a:extLst>
+              <a:ext uri="{FF2B5EF4-FFF2-40B4-BE49-F238E27FC236}">
+                <a16:creationId xmlns:a16="http://schemas.microsoft.com/office/drawing/2014/main" id="{D3539FEE-81D3-4406-802E-60B20B16F4F6}"/>
+              </a:ext>
+              <a:ext uri="{C183D7F6-B498-43B3-948B-1728B52AA6E4}">
+                <adec:decorative xmlns:adec="http://schemas.microsoft.com/office/drawing/2017/decorative" val="1"/>
+              </a:ext>
+            </a:extLst>
+          </p:cNvPr>
+          <p:cNvSpPr>
+            <a:spLocks noGrp="1" noRot="1" noChangeAspect="1" noMove="1" noResize="1" noEditPoints="1" noAdjustHandles="1" noChangeArrowheads="1" noChangeShapeType="1" noTextEdit="1"/>
+          </p:cNvSpPr>
+          <p:nvPr>
+            <p:extLst>
+              <p:ext uri="{386F3935-93C4-4BCD-93E2-E3B085C9AB24}">
+                <p16:designElem xmlns:p16="http://schemas.microsoft.com/office/powerpoint/2015/main" val="1"/>
+              </p:ext>
+            </p:extLst>
+          </p:nvPr>
+        </p:nvSpPr>
+        <p:spPr>
+          <a:xfrm rot="5400000">
+            <a:off x="3783778" y="-3783777"/>
+            <a:ext cx="1576446" cy="9144001"/>
+          </a:xfrm>
+          <a:prstGeom prst="rect">
+            <a:avLst/>
+          </a:prstGeom>
+          <a:gradFill>
+            <a:gsLst>
+              <a:gs pos="16000">
+                <a:srgbClr val="000000">
+                  <a:alpha val="0"/>
+                </a:srgbClr>
+              </a:gs>
+              <a:gs pos="99000">
+                <a:srgbClr val="000000">
+                  <a:alpha val="87000"/>
+                </a:srgbClr>
+              </a:gs>
+            </a:gsLst>
+            <a:lin ang="11400000" scaled="0"/>
+          </a:gradFill>
+          <a:ln>
+            <a:noFill/>
+          </a:ln>
+        </p:spPr>
+        <p:style>
+          <a:lnRef idx="2">
+            <a:schemeClr val="accent1">
+              <a:shade val="50000"/>
+            </a:schemeClr>
+          </a:lnRef>
+          <a:fillRef idx="1">
+            <a:schemeClr val="accent1"/>
+          </a:fillRef>
+          <a:effectRef idx="0">
+            <a:schemeClr val="accent1"/>
+          </a:effectRef>
+          <a:fontRef idx="minor">
+            <a:schemeClr val="lt1"/>
+          </a:fontRef>
+        </p:style>
+        <p:txBody>
+          <a:bodyPr rtlCol="0" anchor="ctr"/>
+          <a:lstStyle/>
+          <a:p>
+            <a:pPr algn="ctr"/>
+            <a:endParaRPr lang="en-US" dirty="0"/>
+          </a:p>
+        </p:txBody>
+      </p:sp>
+      <p:sp>
+        <p:nvSpPr>
+          <p:cNvPr id="20" name="Rectangle 19">
+            <a:extLst>
+              <a:ext uri="{FF2B5EF4-FFF2-40B4-BE49-F238E27FC236}">
+                <a16:creationId xmlns:a16="http://schemas.microsoft.com/office/drawing/2014/main" id="{DC701763-729E-462F-A5A8-E0DEFEB1E2E4}"/>
+              </a:ext>
+              <a:ext uri="{C183D7F6-B498-43B3-948B-1728B52AA6E4}">
+                <adec:decorative xmlns:adec="http://schemas.microsoft.com/office/drawing/2017/decorative" val="1"/>
+              </a:ext>
+            </a:extLst>
+          </p:cNvPr>
+          <p:cNvSpPr>
+            <a:spLocks noGrp="1" noRot="1" noChangeAspect="1" noMove="1" noResize="1" noEditPoints="1" noAdjustHandles="1" noChangeArrowheads="1" noChangeShapeType="1" noTextEdit="1"/>
+          </p:cNvSpPr>
+          <p:nvPr>
+            <p:extLst>
+              <p:ext uri="{386F3935-93C4-4BCD-93E2-E3B085C9AB24}">
+                <p16:designElem xmlns:p16="http://schemas.microsoft.com/office/powerpoint/2015/main" val="1"/>
+              </p:ext>
+            </p:extLst>
+          </p:nvPr>
+        </p:nvSpPr>
+        <p:spPr>
+          <a:xfrm>
+            <a:off x="2869075" y="986"/>
+            <a:ext cx="3227567" cy="1575461"/>
+          </a:xfrm>
+          <a:prstGeom prst="rect">
+            <a:avLst/>
+          </a:prstGeom>
+          <a:gradFill>
+            <a:gsLst>
+              <a:gs pos="0">
+                <a:schemeClr val="accent1">
+                  <a:alpha val="17000"/>
+                </a:schemeClr>
+              </a:gs>
+              <a:gs pos="74000">
+                <a:schemeClr val="accent1">
+                  <a:lumMod val="50000"/>
+                  <a:alpha val="0"/>
+                </a:schemeClr>
+              </a:gs>
+            </a:gsLst>
+            <a:lin ang="14400000" scaled="0"/>
+          </a:gradFill>
+          <a:ln>
+            <a:noFill/>
+          </a:ln>
+        </p:spPr>
+        <p:style>
+          <a:lnRef idx="2">
+            <a:schemeClr val="accent1">
+              <a:shade val="50000"/>
+            </a:schemeClr>
+          </a:lnRef>
+          <a:fillRef idx="1">
+            <a:schemeClr val="accent1"/>
+          </a:fillRef>
+          <a:effectRef idx="0">
+            <a:schemeClr val="accent1"/>
+          </a:effectRef>
+          <a:fontRef idx="minor">
+            <a:schemeClr val="lt1"/>
+          </a:fontRef>
+        </p:style>
+        <p:txBody>
+          <a:bodyPr rtlCol="0" anchor="ctr"/>
+          <a:lstStyle/>
+          <a:p>
+            <a:pPr algn="ctr"/>
+            <a:endParaRPr lang="en-US"/>
+          </a:p>
+        </p:txBody>
+      </p:sp>
+      <p:sp>
+        <p:nvSpPr>
+          <p:cNvPr id="2" name="Título 1">
+            <a:extLst>
+              <a:ext uri="{FF2B5EF4-FFF2-40B4-BE49-F238E27FC236}">
+                <a16:creationId xmlns:a16="http://schemas.microsoft.com/office/drawing/2014/main" id="{C013D8A3-AF7C-5951-5157-27428632648D}"/>
+              </a:ext>
+            </a:extLst>
+          </p:cNvPr>
+          <p:cNvSpPr>
+            <a:spLocks noGrp="1"/>
+          </p:cNvSpPr>
+          <p:nvPr>
+            <p:ph type="title"/>
+          </p:nvPr>
+        </p:nvSpPr>
+        <p:spPr>
+          <a:xfrm>
+            <a:off x="524785" y="353160"/>
+            <a:ext cx="5318475" cy="898581"/>
+          </a:xfrm>
+        </p:spPr>
+        <p:txBody>
+          <a:bodyPr vert="horz" lIns="91440" tIns="45720" rIns="91440" bIns="45720" rtlCol="0" anchor="ctr">
+            <a:normAutofit/>
+          </a:bodyPr>
+          <a:lstStyle/>
+          <a:p>
+            <a:pPr algn="l" defTabSz="914400">
+              <a:lnSpc>
+                <a:spcPct val="90000"/>
+              </a:lnSpc>
+            </a:pPr>
+            <a:r>
+              <a:rPr lang="en-US" sz="3500" dirty="0">
+                <a:solidFill>
+                  <a:srgbClr val="FFFFFF"/>
+                </a:solidFill>
+              </a:rPr>
+              <a:t>Create RDS and Run Script</a:t>
+            </a:r>
+          </a:p>
+        </p:txBody>
+      </p:sp>
+      <p:pic>
+        <p:nvPicPr>
+          <p:cNvPr id="7" name="Imagen 6">
+            <a:extLst>
+              <a:ext uri="{FF2B5EF4-FFF2-40B4-BE49-F238E27FC236}">
+                <a16:creationId xmlns:a16="http://schemas.microsoft.com/office/drawing/2014/main" id="{9807907F-6E54-8A2E-A2B8-D8EB318DABCD}"/>
+              </a:ext>
+            </a:extLst>
+          </p:cNvPr>
+          <p:cNvPicPr>
+            <a:picLocks noChangeAspect="1"/>
+          </p:cNvPicPr>
+          <p:nvPr/>
+        </p:nvPicPr>
+        <p:blipFill>
+          <a:blip r:embed="rId2"/>
+          <a:stretch>
+            <a:fillRect/>
+          </a:stretch>
+        </p:blipFill>
+        <p:spPr>
+          <a:xfrm>
+            <a:off x="536811" y="2948784"/>
+            <a:ext cx="3848316" cy="2462921"/>
+          </a:xfrm>
+          <a:prstGeom prst="rect">
+            <a:avLst/>
+          </a:prstGeom>
+        </p:spPr>
+      </p:pic>
+      <p:pic>
+        <p:nvPicPr>
+          <p:cNvPr id="5" name="Marcador de contenido 4">
+            <a:extLst>
+              <a:ext uri="{FF2B5EF4-FFF2-40B4-BE49-F238E27FC236}">
+                <a16:creationId xmlns:a16="http://schemas.microsoft.com/office/drawing/2014/main" id="{024A19A4-981A-2C9B-C089-67E029DBB1C5}"/>
+              </a:ext>
+            </a:extLst>
+          </p:cNvPr>
+          <p:cNvPicPr>
+            <a:picLocks noGrp="1" noChangeAspect="1"/>
+          </p:cNvPicPr>
+          <p:nvPr>
+            <p:ph idx="1"/>
+          </p:nvPr>
+        </p:nvPicPr>
+        <p:blipFill>
+          <a:blip r:embed="rId3"/>
+          <a:stretch>
+            <a:fillRect/>
+          </a:stretch>
+        </p:blipFill>
+        <p:spPr>
+          <a:xfrm>
+            <a:off x="4758873" y="2304377"/>
+            <a:ext cx="3848316" cy="3824706"/>
+          </a:xfrm>
+          <a:prstGeom prst="rect">
+            <a:avLst/>
+          </a:prstGeom>
+        </p:spPr>
+      </p:pic>
+    </p:spTree>
+    <p:extLst>
+      <p:ext uri="{BB962C8B-B14F-4D97-AF65-F5344CB8AC3E}">
+        <p14:creationId xmlns:p14="http://schemas.microsoft.com/office/powerpoint/2010/main" val="2584071727"/>
+      </p:ext>
+    </p:extLst>
+  </p:cSld>
+  <p:clrMapOvr>
+    <a:masterClrMapping/>
+  </p:clrMapOvr>
+</p:sld>
+</file>
+
+<file path=ppt/slides/slide21.xml><?xml version="1.0" encoding="utf-8"?>
+<p:sld xmlns:a="http://schemas.openxmlformats.org/drawingml/2006/main" xmlns:r="http://schemas.openxmlformats.org/officeDocument/2006/relationships" xmlns:p="http://schemas.openxmlformats.org/presentationml/2006/main">
+  <p:cSld>
+    <p:bg>
+      <p:bgPr>
+        <a:solidFill>
+          <a:schemeClr val="bg1"/>
+        </a:solidFill>
+        <a:effectLst/>
+      </p:bgPr>
+    </p:bg>
+    <p:spTree>
+      <p:nvGrpSpPr>
+        <p:cNvPr id="1" name=""/>
+        <p:cNvGrpSpPr/>
+        <p:nvPr/>
+      </p:nvGrpSpPr>
+      <p:grpSpPr>
+        <a:xfrm>
+          <a:off x="0" y="0"/>
+          <a:ext cx="0" cy="0"/>
+          <a:chOff x="0" y="0"/>
+          <a:chExt cx="0" cy="0"/>
+        </a:xfrm>
+      </p:grpSpPr>
+      <p:sp useBgFill="1">
+        <p:nvSpPr>
+          <p:cNvPr id="10" name="Rectangle 9">
+            <a:extLst>
+              <a:ext uri="{FF2B5EF4-FFF2-40B4-BE49-F238E27FC236}">
+                <a16:creationId xmlns:a16="http://schemas.microsoft.com/office/drawing/2014/main" id="{A8384FB5-9ADC-4DDC-881B-597D56F5B15D}"/>
+              </a:ext>
+              <a:ext uri="{C183D7F6-B498-43B3-948B-1728B52AA6E4}">
+                <adec:decorative xmlns:adec="http://schemas.microsoft.com/office/drawing/2017/decorative" val="1"/>
+              </a:ext>
+            </a:extLst>
+          </p:cNvPr>
+          <p:cNvSpPr>
+            <a:spLocks noGrp="1" noRot="1" noChangeAspect="1" noMove="1" noResize="1" noEditPoints="1" noAdjustHandles="1" noChangeArrowheads="1" noChangeShapeType="1" noTextEdit="1"/>
+          </p:cNvSpPr>
+          <p:nvPr>
+            <p:extLst>
+              <p:ext uri="{386F3935-93C4-4BCD-93E2-E3B085C9AB24}">
+                <p16:designElem xmlns:p16="http://schemas.microsoft.com/office/powerpoint/2015/main" val="1"/>
+              </p:ext>
+            </p:extLst>
+          </p:nvPr>
+        </p:nvSpPr>
+        <p:spPr>
+          <a:xfrm>
+            <a:off x="0" y="0"/>
+            <a:ext cx="9144000" cy="6858000"/>
+          </a:xfrm>
+          <a:prstGeom prst="rect">
+            <a:avLst/>
+          </a:prstGeom>
+          <a:ln w="12700" cap="flat" cmpd="sng" algn="ctr">
+            <a:noFill/>
+            <a:prstDash val="solid"/>
+            <a:miter lim="800000"/>
+          </a:ln>
+          <a:effectLst/>
+          <a:extLst>
+            <a:ext uri="{91240B29-F687-4F45-9708-019B960494DF}">
+              <a14:hiddenLine xmlns:a14="http://schemas.microsoft.com/office/drawing/2010/main" w="12700" cap="flat" cmpd="sng" algn="ctr">
+                <a:solidFill>
+                  <a:schemeClr val="accent1">
+                    <a:shade val="50000"/>
+                  </a:schemeClr>
+                </a:solidFill>
+                <a:prstDash val="solid"/>
+                <a:miter lim="800000"/>
+              </a14:hiddenLine>
+            </a:ext>
+          </a:extLst>
+        </p:spPr>
+        <p:style>
+          <a:lnRef idx="2">
+            <a:schemeClr val="accent1">
+              <a:shade val="50000"/>
+            </a:schemeClr>
+          </a:lnRef>
+          <a:fillRef idx="1">
+            <a:schemeClr val="accent1"/>
+          </a:fillRef>
+          <a:effectRef idx="0">
+            <a:schemeClr val="accent1"/>
+          </a:effectRef>
+          <a:fontRef idx="minor">
+            <a:schemeClr val="lt1"/>
+          </a:fontRef>
+        </p:style>
+        <p:txBody>
+          <a:bodyPr rtlCol="0" anchor="ctr"/>
+          <a:lstStyle/>
+          <a:p>
+            <a:pPr algn="ctr"/>
+            <a:endParaRPr lang="en-US"/>
+          </a:p>
+        </p:txBody>
+      </p:sp>
+      <p:sp>
+        <p:nvSpPr>
+          <p:cNvPr id="12" name="Rectangle 11">
+            <a:extLst>
+              <a:ext uri="{FF2B5EF4-FFF2-40B4-BE49-F238E27FC236}">
+                <a16:creationId xmlns:a16="http://schemas.microsoft.com/office/drawing/2014/main" id="{1199E1B1-A8C0-4FE8-A5A8-1CB41D69F857}"/>
+              </a:ext>
+              <a:ext uri="{C183D7F6-B498-43B3-948B-1728B52AA6E4}">
+                <adec:decorative xmlns:adec="http://schemas.microsoft.com/office/drawing/2017/decorative" val="1"/>
+              </a:ext>
+            </a:extLst>
+          </p:cNvPr>
+          <p:cNvSpPr>
+            <a:spLocks noGrp="1" noRot="1" noChangeAspect="1" noMove="1" noResize="1" noEditPoints="1" noAdjustHandles="1" noChangeArrowheads="1" noChangeShapeType="1" noTextEdit="1"/>
+          </p:cNvSpPr>
+          <p:nvPr>
+            <p:extLst>
+              <p:ext uri="{386F3935-93C4-4BCD-93E2-E3B085C9AB24}">
+                <p16:designElem xmlns:p16="http://schemas.microsoft.com/office/powerpoint/2015/main" val="1"/>
+              </p:ext>
+            </p:extLst>
+          </p:nvPr>
+        </p:nvSpPr>
+        <p:spPr>
+          <a:xfrm rot="10800000" flipH="1">
+            <a:off x="1" y="0"/>
+            <a:ext cx="9143999" cy="1575955"/>
+          </a:xfrm>
+          <a:prstGeom prst="rect">
+            <a:avLst/>
+          </a:prstGeom>
+          <a:gradFill>
+            <a:gsLst>
+              <a:gs pos="0">
+                <a:srgbClr val="000000">
+                  <a:alpha val="96000"/>
+                </a:srgbClr>
+              </a:gs>
+              <a:gs pos="100000">
+                <a:schemeClr val="accent1">
+                  <a:lumMod val="75000"/>
+                </a:schemeClr>
+              </a:gs>
+            </a:gsLst>
+            <a:lin ang="6000000" scaled="0"/>
+          </a:gradFill>
+          <a:ln>
+            <a:noFill/>
+          </a:ln>
+        </p:spPr>
+        <p:style>
+          <a:lnRef idx="2">
+            <a:schemeClr val="accent1">
+              <a:shade val="50000"/>
+            </a:schemeClr>
+          </a:lnRef>
+          <a:fillRef idx="1">
+            <a:schemeClr val="accent1"/>
+          </a:fillRef>
+          <a:effectRef idx="0">
+            <a:schemeClr val="accent1"/>
+          </a:effectRef>
+          <a:fontRef idx="minor">
+            <a:schemeClr val="lt1"/>
+          </a:fontRef>
+        </p:style>
+        <p:txBody>
+          <a:bodyPr rtlCol="0" anchor="ctr"/>
+          <a:lstStyle/>
+          <a:p>
+            <a:pPr algn="ctr"/>
+            <a:endParaRPr lang="en-US"/>
+          </a:p>
+        </p:txBody>
+      </p:sp>
+      <p:sp>
+        <p:nvSpPr>
+          <p:cNvPr id="14" name="Rectangle 13">
+            <a:extLst>
+              <a:ext uri="{FF2B5EF4-FFF2-40B4-BE49-F238E27FC236}">
+                <a16:creationId xmlns:a16="http://schemas.microsoft.com/office/drawing/2014/main" id="{84A8DE83-DE75-4B41-9DB4-A7EC0B0DEC0B}"/>
+              </a:ext>
+              <a:ext uri="{C183D7F6-B498-43B3-948B-1728B52AA6E4}">
+                <adec:decorative xmlns:adec="http://schemas.microsoft.com/office/drawing/2017/decorative" val="1"/>
+              </a:ext>
+            </a:extLst>
+          </p:cNvPr>
+          <p:cNvSpPr>
+            <a:spLocks noGrp="1" noRot="1" noChangeAspect="1" noMove="1" noResize="1" noEditPoints="1" noAdjustHandles="1" noChangeArrowheads="1" noChangeShapeType="1" noTextEdit="1"/>
+          </p:cNvSpPr>
+          <p:nvPr>
+            <p:extLst>
+              <p:ext uri="{386F3935-93C4-4BCD-93E2-E3B085C9AB24}">
+                <p16:designElem xmlns:p16="http://schemas.microsoft.com/office/powerpoint/2015/main" val="1"/>
+              </p:ext>
+            </p:extLst>
+          </p:nvPr>
+        </p:nvSpPr>
+        <p:spPr>
+          <a:xfrm>
+            <a:off x="0" y="0"/>
+            <a:ext cx="6096642" cy="1575461"/>
+          </a:xfrm>
+          <a:prstGeom prst="rect">
+            <a:avLst/>
+          </a:prstGeom>
+          <a:gradFill>
+            <a:gsLst>
+              <a:gs pos="0">
+                <a:schemeClr val="accent1">
+                  <a:alpha val="41000"/>
+                </a:schemeClr>
+              </a:gs>
+              <a:gs pos="74000">
+                <a:schemeClr val="accent1">
+                  <a:lumMod val="60000"/>
+                  <a:lumOff val="40000"/>
+                  <a:alpha val="0"/>
+                </a:schemeClr>
+              </a:gs>
+            </a:gsLst>
+            <a:lin ang="8400000" scaled="0"/>
+          </a:gradFill>
+          <a:ln>
+            <a:noFill/>
+          </a:ln>
+        </p:spPr>
+        <p:style>
+          <a:lnRef idx="2">
+            <a:schemeClr val="accent1">
+              <a:shade val="50000"/>
+            </a:schemeClr>
+          </a:lnRef>
+          <a:fillRef idx="1">
+            <a:schemeClr val="accent1"/>
+          </a:fillRef>
+          <a:effectRef idx="0">
+            <a:schemeClr val="accent1"/>
+          </a:effectRef>
+          <a:fontRef idx="minor">
+            <a:schemeClr val="lt1"/>
+          </a:fontRef>
+        </p:style>
+        <p:txBody>
+          <a:bodyPr rtlCol="0" anchor="ctr"/>
+          <a:lstStyle/>
+          <a:p>
+            <a:pPr algn="ctr"/>
+            <a:endParaRPr lang="en-US"/>
+          </a:p>
+        </p:txBody>
+      </p:sp>
+      <p:sp>
+        <p:nvSpPr>
+          <p:cNvPr id="16" name="Rectangle 15">
+            <a:extLst>
+              <a:ext uri="{FF2B5EF4-FFF2-40B4-BE49-F238E27FC236}">
+                <a16:creationId xmlns:a16="http://schemas.microsoft.com/office/drawing/2014/main" id="{A7009A0A-BEF5-4EAC-AF15-E4F9F002E239}"/>
+              </a:ext>
+              <a:ext uri="{C183D7F6-B498-43B3-948B-1728B52AA6E4}">
+                <adec:decorative xmlns:adec="http://schemas.microsoft.com/office/drawing/2017/decorative" val="1"/>
+              </a:ext>
+            </a:extLst>
+          </p:cNvPr>
+          <p:cNvSpPr>
+            <a:spLocks noGrp="1" noRot="1" noChangeAspect="1" noMove="1" noResize="1" noEditPoints="1" noAdjustHandles="1" noChangeArrowheads="1" noChangeShapeType="1" noTextEdit="1"/>
+          </p:cNvSpPr>
+          <p:nvPr>
+            <p:extLst>
+              <p:ext uri="{386F3935-93C4-4BCD-93E2-E3B085C9AB24}">
+                <p16:designElem xmlns:p16="http://schemas.microsoft.com/office/powerpoint/2015/main" val="1"/>
+              </p:ext>
+            </p:extLst>
+          </p:nvPr>
+        </p:nvSpPr>
+        <p:spPr>
+          <a:xfrm flipH="1">
+            <a:off x="-2" y="-1"/>
+            <a:ext cx="9144001" cy="1574311"/>
+          </a:xfrm>
+          <a:prstGeom prst="rect">
+            <a:avLst/>
+          </a:prstGeom>
+          <a:gradFill>
+            <a:gsLst>
+              <a:gs pos="0">
+                <a:srgbClr val="000000">
+                  <a:alpha val="63000"/>
+                </a:srgbClr>
+              </a:gs>
+              <a:gs pos="78000">
+                <a:schemeClr val="accent1">
+                  <a:alpha val="15000"/>
+                </a:schemeClr>
+              </a:gs>
+            </a:gsLst>
+            <a:lin ang="15600000" scaled="0"/>
+          </a:gradFill>
+          <a:ln>
+            <a:noFill/>
+          </a:ln>
+        </p:spPr>
+        <p:style>
+          <a:lnRef idx="2">
+            <a:schemeClr val="accent1">
+              <a:shade val="50000"/>
+            </a:schemeClr>
+          </a:lnRef>
+          <a:fillRef idx="1">
+            <a:schemeClr val="accent1"/>
+          </a:fillRef>
+          <a:effectRef idx="0">
+            <a:schemeClr val="accent1"/>
+          </a:effectRef>
+          <a:fontRef idx="minor">
+            <a:schemeClr val="lt1"/>
+          </a:fontRef>
+        </p:style>
+        <p:txBody>
+          <a:bodyPr rtlCol="0" anchor="ctr"/>
+          <a:lstStyle/>
+          <a:p>
+            <a:pPr algn="ctr"/>
+            <a:endParaRPr lang="en-US"/>
+          </a:p>
+        </p:txBody>
+      </p:sp>
+      <p:sp>
+        <p:nvSpPr>
+          <p:cNvPr id="2" name="Título 1">
+            <a:extLst>
+              <a:ext uri="{FF2B5EF4-FFF2-40B4-BE49-F238E27FC236}">
+                <a16:creationId xmlns:a16="http://schemas.microsoft.com/office/drawing/2014/main" id="{811FC77D-187C-083A-719D-0BCEA2670312}"/>
+              </a:ext>
+            </a:extLst>
+          </p:cNvPr>
+          <p:cNvSpPr>
+            <a:spLocks noGrp="1"/>
+          </p:cNvSpPr>
+          <p:nvPr>
+            <p:ph type="title"/>
+          </p:nvPr>
+        </p:nvSpPr>
+        <p:spPr>
+          <a:xfrm>
+            <a:off x="524784" y="248038"/>
+            <a:ext cx="5297791" cy="1159200"/>
+          </a:xfrm>
+        </p:spPr>
+        <p:txBody>
+          <a:bodyPr vert="horz" lIns="91440" tIns="45720" rIns="91440" bIns="45720" rtlCol="0" anchor="ctr">
+            <a:normAutofit/>
+          </a:bodyPr>
+          <a:lstStyle/>
+          <a:p>
+            <a:pPr algn="l" defTabSz="914400">
+              <a:lnSpc>
+                <a:spcPct val="90000"/>
+              </a:lnSpc>
+            </a:pPr>
+            <a:r>
+              <a:rPr lang="en-US" sz="3500" kern="1200">
+                <a:solidFill>
+                  <a:srgbClr val="FFFFFF"/>
+                </a:solidFill>
+                <a:latin typeface="+mj-lt"/>
+                <a:ea typeface="+mj-ea"/>
+                <a:cs typeface="+mj-cs"/>
+              </a:rPr>
+              <a:t>DB Connection</a:t>
+            </a:r>
+          </a:p>
+        </p:txBody>
+      </p:sp>
+      <p:pic>
+        <p:nvPicPr>
+          <p:cNvPr id="5" name="Marcador de contenido 4">
+            <a:extLst>
+              <a:ext uri="{FF2B5EF4-FFF2-40B4-BE49-F238E27FC236}">
+                <a16:creationId xmlns:a16="http://schemas.microsoft.com/office/drawing/2014/main" id="{5A961B12-F644-623C-22CD-CE569923FE76}"/>
+              </a:ext>
+            </a:extLst>
+          </p:cNvPr>
+          <p:cNvPicPr>
+            <a:picLocks noGrp="1" noChangeAspect="1"/>
+          </p:cNvPicPr>
+          <p:nvPr>
+            <p:ph idx="1"/>
+          </p:nvPr>
+        </p:nvPicPr>
+        <p:blipFill>
+          <a:blip r:embed="rId2"/>
+          <a:stretch>
+            <a:fillRect/>
+          </a:stretch>
+        </p:blipFill>
+        <p:spPr>
+          <a:xfrm>
+            <a:off x="324168" y="2323327"/>
+            <a:ext cx="8495662" cy="3738091"/>
+          </a:xfrm>
+          <a:prstGeom prst="rect">
+            <a:avLst/>
+          </a:prstGeom>
+        </p:spPr>
+      </p:pic>
+    </p:spTree>
+    <p:extLst>
+      <p:ext uri="{BB962C8B-B14F-4D97-AF65-F5344CB8AC3E}">
+        <p14:creationId xmlns:p14="http://schemas.microsoft.com/office/powerpoint/2010/main" val="288698023"/>
+      </p:ext>
+    </p:extLst>
+  </p:cSld>
+  <p:clrMapOvr>
+    <a:masterClrMapping/>
+  </p:clrMapOvr>
+</p:sld>
+</file>
+
+<file path=ppt/slides/slide22.xml><?xml version="1.0" encoding="utf-8"?>
+<p:sld xmlns:a="http://schemas.openxmlformats.org/drawingml/2006/main" xmlns:r="http://schemas.openxmlformats.org/officeDocument/2006/relationships" xmlns:p="http://schemas.openxmlformats.org/presentationml/2006/main">
+  <p:cSld>
+    <p:bg>
+      <p:bgPr>
+        <a:solidFill>
+          <a:schemeClr val="bg1"/>
+        </a:solidFill>
+        <a:effectLst/>
+      </p:bgPr>
+    </p:bg>
+    <p:spTree>
+      <p:nvGrpSpPr>
+        <p:cNvPr id="1" name=""/>
+        <p:cNvGrpSpPr/>
+        <p:nvPr/>
+      </p:nvGrpSpPr>
+      <p:grpSpPr>
+        <a:xfrm>
+          <a:off x="0" y="0"/>
+          <a:ext cx="0" cy="0"/>
+          <a:chOff x="0" y="0"/>
+          <a:chExt cx="0" cy="0"/>
+        </a:xfrm>
+      </p:grpSpPr>
+      <p:sp useBgFill="1">
+        <p:nvSpPr>
+          <p:cNvPr id="10" name="Rectangle 9">
+            <a:extLst>
+              <a:ext uri="{FF2B5EF4-FFF2-40B4-BE49-F238E27FC236}">
+                <a16:creationId xmlns:a16="http://schemas.microsoft.com/office/drawing/2014/main" id="{AB8C311F-7253-4AED-9701-7FC0708C41C7}"/>
+              </a:ext>
+              <a:ext uri="{C183D7F6-B498-43B3-948B-1728B52AA6E4}">
+                <adec:decorative xmlns:adec="http://schemas.microsoft.com/office/drawing/2017/decorative" val="1"/>
+              </a:ext>
+            </a:extLst>
+          </p:cNvPr>
+          <p:cNvSpPr>
+            <a:spLocks noGrp="1" noRot="1" noChangeAspect="1" noMove="1" noResize="1" noEditPoints="1" noAdjustHandles="1" noChangeArrowheads="1" noChangeShapeType="1" noTextEdit="1"/>
+          </p:cNvSpPr>
+          <p:nvPr>
+            <p:extLst>
+              <p:ext uri="{386F3935-93C4-4BCD-93E2-E3B085C9AB24}">
+                <p16:designElem xmlns:p16="http://schemas.microsoft.com/office/powerpoint/2015/main" val="1"/>
+              </p:ext>
+            </p:extLst>
+          </p:nvPr>
+        </p:nvSpPr>
+        <p:spPr>
+          <a:xfrm>
+            <a:off x="0" y="0"/>
+            <a:ext cx="9144000" cy="6858000"/>
+          </a:xfrm>
+          <a:prstGeom prst="rect">
+            <a:avLst/>
+          </a:prstGeom>
+          <a:ln w="12700" cap="flat" cmpd="sng" algn="ctr">
+            <a:noFill/>
+            <a:prstDash val="solid"/>
+            <a:miter lim="800000"/>
+          </a:ln>
+          <a:effectLst/>
+          <a:extLst>
+            <a:ext uri="{91240B29-F687-4F45-9708-019B960494DF}">
+              <a14:hiddenLine xmlns:a14="http://schemas.microsoft.com/office/drawing/2010/main" w="12700" cap="flat" cmpd="sng" algn="ctr">
+                <a:solidFill>
+                  <a:schemeClr val="accent1">
+                    <a:shade val="50000"/>
+                  </a:schemeClr>
+                </a:solidFill>
+                <a:prstDash val="solid"/>
+                <a:miter lim="800000"/>
+              </a14:hiddenLine>
+            </a:ext>
+          </a:extLst>
+        </p:spPr>
+        <p:style>
+          <a:lnRef idx="2">
+            <a:schemeClr val="accent1">
+              <a:shade val="50000"/>
+            </a:schemeClr>
+          </a:lnRef>
+          <a:fillRef idx="1">
+            <a:schemeClr val="accent1"/>
+          </a:fillRef>
+          <a:effectRef idx="0">
+            <a:schemeClr val="accent1"/>
+          </a:effectRef>
+          <a:fontRef idx="minor">
+            <a:schemeClr val="lt1"/>
+          </a:fontRef>
+        </p:style>
+        <p:txBody>
+          <a:bodyPr rtlCol="0" anchor="ctr"/>
+          <a:lstStyle/>
+          <a:p>
+            <a:pPr algn="ctr"/>
+            <a:endParaRPr lang="en-US"/>
+          </a:p>
+        </p:txBody>
+      </p:sp>
+      <p:sp>
+        <p:nvSpPr>
+          <p:cNvPr id="12" name="Rectangle 11">
+            <a:extLst>
+              <a:ext uri="{FF2B5EF4-FFF2-40B4-BE49-F238E27FC236}">
+                <a16:creationId xmlns:a16="http://schemas.microsoft.com/office/drawing/2014/main" id="{E2384209-CB15-4CDF-9D31-C44FD9A3F20D}"/>
+              </a:ext>
+              <a:ext uri="{C183D7F6-B498-43B3-948B-1728B52AA6E4}">
+                <adec:decorative xmlns:adec="http://schemas.microsoft.com/office/drawing/2017/decorative" val="1"/>
+              </a:ext>
+            </a:extLst>
+          </p:cNvPr>
+          <p:cNvSpPr>
+            <a:spLocks noGrp="1" noRot="1" noChangeAspect="1" noMove="1" noResize="1" noEditPoints="1" noAdjustHandles="1" noChangeArrowheads="1" noChangeShapeType="1" noTextEdit="1"/>
+          </p:cNvSpPr>
+          <p:nvPr>
+            <p:extLst>
+              <p:ext uri="{386F3935-93C4-4BCD-93E2-E3B085C9AB24}">
+                <p16:designElem xmlns:p16="http://schemas.microsoft.com/office/powerpoint/2015/main" val="1"/>
+              </p:ext>
+            </p:extLst>
+          </p:nvPr>
+        </p:nvSpPr>
+        <p:spPr>
+          <a:xfrm rot="16200000" flipH="1">
+            <a:off x="1142713" y="-1142284"/>
+            <a:ext cx="6858000" cy="9143425"/>
+          </a:xfrm>
+          <a:prstGeom prst="rect">
+            <a:avLst/>
+          </a:prstGeom>
+          <a:gradFill>
+            <a:gsLst>
+              <a:gs pos="8000">
+                <a:schemeClr val="accent1"/>
+              </a:gs>
+              <a:gs pos="100000">
+                <a:schemeClr val="accent1">
+                  <a:lumMod val="50000"/>
+                </a:schemeClr>
+              </a:gs>
+            </a:gsLst>
+            <a:lin ang="12000000" scaled="0"/>
+          </a:gradFill>
+          <a:ln>
+            <a:noFill/>
+          </a:ln>
+        </p:spPr>
+        <p:style>
+          <a:lnRef idx="2">
+            <a:schemeClr val="accent1">
+              <a:shade val="50000"/>
+            </a:schemeClr>
+          </a:lnRef>
+          <a:fillRef idx="1">
+            <a:schemeClr val="accent1"/>
+          </a:fillRef>
+          <a:effectRef idx="0">
+            <a:schemeClr val="accent1"/>
+          </a:effectRef>
+          <a:fontRef idx="minor">
+            <a:schemeClr val="lt1"/>
+          </a:fontRef>
+        </p:style>
+        <p:txBody>
+          <a:bodyPr rtlCol="0" anchor="ctr"/>
+          <a:lstStyle/>
+          <a:p>
+            <a:pPr algn="ctr"/>
+            <a:endParaRPr lang="en-US"/>
+          </a:p>
+        </p:txBody>
+      </p:sp>
+      <p:sp>
+        <p:nvSpPr>
+          <p:cNvPr id="14" name="Rectangle 13">
+            <a:extLst>
+              <a:ext uri="{FF2B5EF4-FFF2-40B4-BE49-F238E27FC236}">
+                <a16:creationId xmlns:a16="http://schemas.microsoft.com/office/drawing/2014/main" id="{2633B3B5-CC90-43F0-8714-D31D1F3F0209}"/>
+              </a:ext>
+              <a:ext uri="{C183D7F6-B498-43B3-948B-1728B52AA6E4}">
+                <adec:decorative xmlns:adec="http://schemas.microsoft.com/office/drawing/2017/decorative" val="1"/>
+              </a:ext>
+            </a:extLst>
+          </p:cNvPr>
+          <p:cNvSpPr>
+            <a:spLocks noGrp="1" noRot="1" noChangeAspect="1" noMove="1" noResize="1" noEditPoints="1" noAdjustHandles="1" noChangeArrowheads="1" noChangeShapeType="1" noTextEdit="1"/>
+          </p:cNvSpPr>
+          <p:nvPr>
+            <p:extLst>
+              <p:ext uri="{386F3935-93C4-4BCD-93E2-E3B085C9AB24}">
+                <p16:designElem xmlns:p16="http://schemas.microsoft.com/office/powerpoint/2015/main" val="1"/>
+              </p:ext>
+            </p:extLst>
+          </p:nvPr>
+        </p:nvSpPr>
+        <p:spPr>
+          <a:xfrm rot="10800000" flipH="1">
+            <a:off x="-1733" y="0"/>
+            <a:ext cx="6803134" cy="6857572"/>
+          </a:xfrm>
+          <a:prstGeom prst="rect">
+            <a:avLst/>
+          </a:prstGeom>
+          <a:gradFill>
+            <a:gsLst>
+              <a:gs pos="8000">
+                <a:srgbClr val="000000">
+                  <a:alpha val="52000"/>
+                </a:srgbClr>
+              </a:gs>
+              <a:gs pos="100000">
+                <a:schemeClr val="accent1"/>
+              </a:gs>
+            </a:gsLst>
+            <a:lin ang="4800000" scaled="0"/>
+          </a:gradFill>
+          <a:ln>
+            <a:noFill/>
+          </a:ln>
+        </p:spPr>
+        <p:style>
+          <a:lnRef idx="2">
+            <a:schemeClr val="accent1">
+              <a:shade val="50000"/>
+            </a:schemeClr>
+          </a:lnRef>
+          <a:fillRef idx="1">
+            <a:schemeClr val="accent1"/>
+          </a:fillRef>
+          <a:effectRef idx="0">
+            <a:schemeClr val="accent1"/>
+          </a:effectRef>
+          <a:fontRef idx="minor">
+            <a:schemeClr val="lt1"/>
+          </a:fontRef>
+        </p:style>
+        <p:txBody>
+          <a:bodyPr rtlCol="0" anchor="ctr"/>
+          <a:lstStyle/>
+          <a:p>
+            <a:pPr algn="ctr"/>
+            <a:endParaRPr lang="en-US"/>
+          </a:p>
+        </p:txBody>
+      </p:sp>
+      <p:sp>
+        <p:nvSpPr>
+          <p:cNvPr id="16" name="Rectangle 15">
+            <a:extLst>
+              <a:ext uri="{FF2B5EF4-FFF2-40B4-BE49-F238E27FC236}">
+                <a16:creationId xmlns:a16="http://schemas.microsoft.com/office/drawing/2014/main" id="{A8D57A06-A426-446D-B02C-A2DC6B62E45E}"/>
+              </a:ext>
+              <a:ext uri="{C183D7F6-B498-43B3-948B-1728B52AA6E4}">
+                <adec:decorative xmlns:adec="http://schemas.microsoft.com/office/drawing/2017/decorative" val="1"/>
+              </a:ext>
+            </a:extLst>
+          </p:cNvPr>
+          <p:cNvSpPr>
+            <a:spLocks noGrp="1" noRot="1" noChangeAspect="1" noMove="1" noResize="1" noEditPoints="1" noAdjustHandles="1" noChangeArrowheads="1" noChangeShapeType="1" noTextEdit="1"/>
+          </p:cNvSpPr>
+          <p:nvPr>
+            <p:extLst>
+              <p:ext uri="{386F3935-93C4-4BCD-93E2-E3B085C9AB24}">
+                <p16:designElem xmlns:p16="http://schemas.microsoft.com/office/powerpoint/2015/main" val="1"/>
+              </p:ext>
+            </p:extLst>
+          </p:nvPr>
+        </p:nvSpPr>
+        <p:spPr>
+          <a:xfrm rot="16200000" flipH="1">
+            <a:off x="2125298" y="-161647"/>
+            <a:ext cx="4894564" cy="9145160"/>
+          </a:xfrm>
+          <a:prstGeom prst="rect">
+            <a:avLst/>
+          </a:prstGeom>
+          <a:gradFill>
+            <a:gsLst>
+              <a:gs pos="0">
+                <a:schemeClr val="accent5">
+                  <a:lumMod val="60000"/>
+                  <a:lumOff val="40000"/>
+                  <a:alpha val="0"/>
+                </a:schemeClr>
+              </a:gs>
+              <a:gs pos="100000">
+                <a:srgbClr val="000000">
+                  <a:alpha val="46000"/>
+                </a:srgbClr>
+              </a:gs>
+            </a:gsLst>
+            <a:lin ang="1200000" scaled="0"/>
+          </a:gradFill>
+          <a:ln>
+            <a:noFill/>
+          </a:ln>
+        </p:spPr>
+        <p:style>
+          <a:lnRef idx="2">
+            <a:schemeClr val="accent1">
+              <a:shade val="50000"/>
+            </a:schemeClr>
+          </a:lnRef>
+          <a:fillRef idx="1">
+            <a:schemeClr val="accent1"/>
+          </a:fillRef>
+          <a:effectRef idx="0">
+            <a:schemeClr val="accent1"/>
+          </a:effectRef>
+          <a:fontRef idx="minor">
+            <a:schemeClr val="lt1"/>
+          </a:fontRef>
+        </p:style>
+        <p:txBody>
+          <a:bodyPr rtlCol="0" anchor="ctr"/>
+          <a:lstStyle/>
+          <a:p>
+            <a:pPr algn="ctr"/>
+            <a:endParaRPr lang="en-US"/>
+          </a:p>
+        </p:txBody>
+      </p:sp>
+      <p:pic>
+        <p:nvPicPr>
+          <p:cNvPr id="5" name="Marcador de contenido 4">
+            <a:extLst>
+              <a:ext uri="{FF2B5EF4-FFF2-40B4-BE49-F238E27FC236}">
+                <a16:creationId xmlns:a16="http://schemas.microsoft.com/office/drawing/2014/main" id="{CA9DF2C3-51C5-8164-022F-7836F4E0DA74}"/>
+              </a:ext>
+            </a:extLst>
+          </p:cNvPr>
+          <p:cNvPicPr>
+            <a:picLocks noGrp="1" noChangeAspect="1"/>
+          </p:cNvPicPr>
+          <p:nvPr>
+            <p:ph idx="1"/>
+          </p:nvPr>
+        </p:nvPicPr>
+        <p:blipFill>
+          <a:blip r:embed="rId2"/>
+          <a:srcRect r="25289" b="1"/>
+          <a:stretch>
+            <a:fillRect/>
+          </a:stretch>
+        </p:blipFill>
+        <p:spPr>
+          <a:xfrm>
+            <a:off x="342900" y="457200"/>
+            <a:ext cx="8458200" cy="5943600"/>
+          </a:xfrm>
+          <a:prstGeom prst="rect">
+            <a:avLst/>
+          </a:prstGeom>
+        </p:spPr>
+      </p:pic>
+    </p:spTree>
+    <p:extLst>
+      <p:ext uri="{BB962C8B-B14F-4D97-AF65-F5344CB8AC3E}">
+        <p14:creationId xmlns:p14="http://schemas.microsoft.com/office/powerpoint/2010/main" val="87348932"/>
+      </p:ext>
+    </p:extLst>
+  </p:cSld>
+  <p:clrMapOvr>
+    <a:masterClrMapping/>
+  </p:clrMapOvr>
+</p:sld>
+</file>
+
+<file path=ppt/slides/slide23.xml><?xml version="1.0" encoding="utf-8"?>
 <p:sld xmlns:a="http://schemas.openxmlformats.org/drawingml/2006/main" xmlns:r="http://schemas.openxmlformats.org/officeDocument/2006/relationships" xmlns:p="http://schemas.openxmlformats.org/presentationml/2006/main">
   <p:cSld>
     <p:bg>
@@ -15003,116 +16845,7 @@
 </p:sld>
 </file>
 
-<file path=ppt/slides/slide2.xml><?xml version="1.0" encoding="utf-8"?>
-<p:sld xmlns:a="http://schemas.openxmlformats.org/drawingml/2006/main" xmlns:r="http://schemas.openxmlformats.org/officeDocument/2006/relationships" xmlns:p="http://schemas.openxmlformats.org/presentationml/2006/main">
-  <p:cSld>
-    <p:spTree>
-      <p:nvGrpSpPr>
-        <p:cNvPr id="1" name=""/>
-        <p:cNvGrpSpPr/>
-        <p:nvPr/>
-      </p:nvGrpSpPr>
-      <p:grpSpPr>
-        <a:xfrm>
-          <a:off x="0" y="0"/>
-          <a:ext cx="0" cy="0"/>
-          <a:chOff x="0" y="0"/>
-          <a:chExt cx="0" cy="0"/>
-        </a:xfrm>
-      </p:grpSpPr>
-      <p:sp>
-        <p:nvSpPr>
-          <p:cNvPr id="2" name="Título 1">
-            <a:extLst>
-              <a:ext uri="{FF2B5EF4-FFF2-40B4-BE49-F238E27FC236}">
-                <a16:creationId xmlns:a16="http://schemas.microsoft.com/office/drawing/2014/main" id="{2F8BE467-FA90-BFF7-9003-EC3D2417102A}"/>
-              </a:ext>
-            </a:extLst>
-          </p:cNvPr>
-          <p:cNvSpPr>
-            <a:spLocks noGrp="1"/>
-          </p:cNvSpPr>
-          <p:nvPr>
-            <p:ph type="title"/>
-          </p:nvPr>
-        </p:nvSpPr>
-        <p:spPr/>
-        <p:txBody>
-          <a:bodyPr/>
-          <a:lstStyle/>
-          <a:p>
-            <a:endParaRPr lang="es-GT"/>
-          </a:p>
-        </p:txBody>
-      </p:sp>
-      <p:sp>
-        <p:nvSpPr>
-          <p:cNvPr id="3" name="Marcador de contenido 2">
-            <a:extLst>
-              <a:ext uri="{FF2B5EF4-FFF2-40B4-BE49-F238E27FC236}">
-                <a16:creationId xmlns:a16="http://schemas.microsoft.com/office/drawing/2014/main" id="{03864DF1-AE11-B523-7FD4-08471A71A388}"/>
-              </a:ext>
-            </a:extLst>
-          </p:cNvPr>
-          <p:cNvSpPr>
-            <a:spLocks noGrp="1"/>
-          </p:cNvSpPr>
-          <p:nvPr>
-            <p:ph idx="1"/>
-          </p:nvPr>
-        </p:nvSpPr>
-        <p:spPr/>
-        <p:txBody>
-          <a:bodyPr/>
-          <a:lstStyle/>
-          <a:p>
-            <a:endParaRPr lang="es-GT"/>
-          </a:p>
-        </p:txBody>
-      </p:sp>
-      <p:pic>
-        <p:nvPicPr>
-          <p:cNvPr id="4" name="Picture 4" descr="Velocímetro">
-            <a:extLst>
-              <a:ext uri="{FF2B5EF4-FFF2-40B4-BE49-F238E27FC236}">
-                <a16:creationId xmlns:a16="http://schemas.microsoft.com/office/drawing/2014/main" id="{4EBBD6A9-6BAD-FECB-737E-5C64B3A55993}"/>
-              </a:ext>
-            </a:extLst>
-          </p:cNvPr>
-          <p:cNvPicPr>
-            <a:picLocks noChangeAspect="1"/>
-          </p:cNvPicPr>
-          <p:nvPr/>
-        </p:nvPicPr>
-        <p:blipFill>
-          <a:blip r:embed="rId2"/>
-          <a:srcRect t="5645" b="3994"/>
-          <a:stretch/>
-        </p:blipFill>
-        <p:spPr>
-          <a:xfrm>
-            <a:off x="-4" y="10"/>
-            <a:ext cx="12192000" cy="6857990"/>
-          </a:xfrm>
-          <a:prstGeom prst="rect">
-            <a:avLst/>
-          </a:prstGeom>
-        </p:spPr>
-      </p:pic>
-    </p:spTree>
-    <p:extLst>
-      <p:ext uri="{BB962C8B-B14F-4D97-AF65-F5344CB8AC3E}">
-        <p14:creationId xmlns:p14="http://schemas.microsoft.com/office/powerpoint/2010/main" val="3438999524"/>
-      </p:ext>
-    </p:extLst>
-  </p:cSld>
-  <p:clrMapOvr>
-    <a:masterClrMapping/>
-  </p:clrMapOvr>
-</p:sld>
-</file>
-
-<file path=ppt/slides/slide20.xml><?xml version="1.0" encoding="utf-8"?>
+<file path=ppt/slides/slide24.xml><?xml version="1.0" encoding="utf-8"?>
 <p:sld xmlns:a="http://schemas.openxmlformats.org/drawingml/2006/main" xmlns:r="http://schemas.openxmlformats.org/officeDocument/2006/relationships" xmlns:p="http://schemas.openxmlformats.org/presentationml/2006/main">
   <p:cSld>
     <p:spTree>
